--- a/PMS.pptx
+++ b/PMS.pptx
@@ -6,13 +6,15 @@
   </p:sldMasterIdLst>
   <p:sldIdLst>
     <p:sldId id="256" r:id="rId2"/>
-    <p:sldId id="257" r:id="rId3"/>
-    <p:sldId id="261" r:id="rId4"/>
-    <p:sldId id="262" r:id="rId5"/>
-    <p:sldId id="258" r:id="rId6"/>
-    <p:sldId id="263" r:id="rId7"/>
-    <p:sldId id="259" r:id="rId8"/>
-    <p:sldId id="260" r:id="rId9"/>
+    <p:sldId id="264" r:id="rId3"/>
+    <p:sldId id="265" r:id="rId4"/>
+    <p:sldId id="257" r:id="rId5"/>
+    <p:sldId id="261" r:id="rId6"/>
+    <p:sldId id="262" r:id="rId7"/>
+    <p:sldId id="258" r:id="rId8"/>
+    <p:sldId id="263" r:id="rId9"/>
+    <p:sldId id="259" r:id="rId10"/>
+    <p:sldId id="260" r:id="rId11"/>
   </p:sldIdLst>
   <p:sldSz cx="12192000" cy="6858000"/>
   <p:notesSz cx="6858000" cy="9144000"/>
@@ -697,7 +699,7 @@
           </a:lstStyle>
           <a:p>
             <a:r>
-              <a:rPr lang="en-US" smtClean="0"/>
+              <a:rPr lang="en-US"/>
               <a:t>Click to edit Master title style</a:t>
             </a:r>
             <a:endParaRPr lang="en-US" dirty="0"/>
@@ -817,7 +819,7 @@
           </a:lstStyle>
           <a:p>
             <a:r>
-              <a:rPr lang="en-US" smtClean="0"/>
+              <a:rPr lang="en-US"/>
               <a:t>Click to edit Master subtitle style</a:t>
             </a:r>
             <a:endParaRPr lang="en-US" dirty="0"/>
@@ -946,7 +948,7 @@
           </a:lstStyle>
           <a:p>
             <a:r>
-              <a:rPr lang="en-US" smtClean="0"/>
+              <a:rPr lang="en-US"/>
               <a:t>Click to edit Master title style</a:t>
             </a:r>
             <a:endParaRPr lang="en-US" dirty="0"/>
@@ -1069,7 +1071,7 @@
           <a:p>
             <a:pPr lvl="0"/>
             <a:r>
-              <a:rPr lang="en-US" smtClean="0"/>
+              <a:rPr lang="en-US"/>
               <a:t>Click to edit Master text styles</a:t>
             </a:r>
           </a:p>
@@ -1197,7 +1199,7 @@
           </a:lstStyle>
           <a:p>
             <a:r>
-              <a:rPr lang="en-US" smtClean="0"/>
+              <a:rPr lang="en-US"/>
               <a:t>Click to edit Master title style</a:t>
             </a:r>
             <a:endParaRPr lang="en-US" dirty="0"/>
@@ -1261,7 +1263,7 @@
           <a:p>
             <a:pPr lvl="0"/>
             <a:r>
-              <a:rPr lang="en-US" smtClean="0"/>
+              <a:rPr lang="en-US"/>
               <a:t>Click to edit Master text styles</a:t>
             </a:r>
           </a:p>
@@ -1383,7 +1385,7 @@
           <a:p>
             <a:pPr lvl="0"/>
             <a:r>
-              <a:rPr lang="en-US" smtClean="0"/>
+              <a:rPr lang="en-US"/>
               <a:t>Click to edit Master text styles</a:t>
             </a:r>
           </a:p>
@@ -1601,7 +1603,7 @@
           </a:lstStyle>
           <a:p>
             <a:r>
-              <a:rPr lang="en-US" smtClean="0"/>
+              <a:rPr lang="en-US"/>
               <a:t>Click to edit Master title style</a:t>
             </a:r>
             <a:endParaRPr lang="en-US" dirty="0"/>
@@ -1724,7 +1726,7 @@
           <a:p>
             <a:pPr lvl="0"/>
             <a:r>
-              <a:rPr lang="en-US" smtClean="0"/>
+              <a:rPr lang="en-US"/>
               <a:t>Click to edit Master text styles</a:t>
             </a:r>
           </a:p>
@@ -1852,7 +1854,7 @@
           </a:lstStyle>
           <a:p>
             <a:r>
-              <a:rPr lang="en-US" smtClean="0"/>
+              <a:rPr lang="en-US"/>
               <a:t>Click to edit Master title style</a:t>
             </a:r>
             <a:endParaRPr lang="en-US" dirty="0"/>
@@ -1916,7 +1918,7 @@
           <a:p>
             <a:pPr lvl="0"/>
             <a:r>
-              <a:rPr lang="en-US" smtClean="0"/>
+              <a:rPr lang="en-US"/>
               <a:t>Click to edit Master text styles</a:t>
             </a:r>
           </a:p>
@@ -2038,7 +2040,7 @@
           <a:p>
             <a:pPr lvl="0"/>
             <a:r>
-              <a:rPr lang="en-US" smtClean="0"/>
+              <a:rPr lang="en-US"/>
               <a:t>Click to edit Master text styles</a:t>
             </a:r>
           </a:p>
@@ -2248,7 +2250,7 @@
           </a:lstStyle>
           <a:p>
             <a:r>
-              <a:rPr lang="en-US" smtClean="0"/>
+              <a:rPr lang="en-US"/>
               <a:t>Click to edit Master title style</a:t>
             </a:r>
             <a:endParaRPr lang="en-US" dirty="0"/>
@@ -2309,7 +2311,7 @@
           <a:p>
             <a:pPr lvl="0"/>
             <a:r>
-              <a:rPr lang="en-US" smtClean="0"/>
+              <a:rPr lang="en-US"/>
               <a:t>Click to edit Master text styles</a:t>
             </a:r>
           </a:p>
@@ -2431,7 +2433,7 @@
           <a:p>
             <a:pPr lvl="0"/>
             <a:r>
-              <a:rPr lang="en-US" smtClean="0"/>
+              <a:rPr lang="en-US"/>
               <a:t>Click to edit Master text styles</a:t>
             </a:r>
           </a:p>
@@ -2548,7 +2550,7 @@
           <a:lstStyle/>
           <a:p>
             <a:r>
-              <a:rPr lang="en-US" smtClean="0"/>
+              <a:rPr lang="en-US"/>
               <a:t>Click to edit Master title style</a:t>
             </a:r>
             <a:endParaRPr lang="en-US" dirty="0"/>
@@ -2572,35 +2574,35 @@
           <a:p>
             <a:pPr lvl="0"/>
             <a:r>
-              <a:rPr lang="en-US" smtClean="0"/>
+              <a:rPr lang="en-US"/>
               <a:t>Click to edit Master text styles</a:t>
             </a:r>
           </a:p>
           <a:p>
             <a:pPr lvl="1"/>
             <a:r>
-              <a:rPr lang="en-US" smtClean="0"/>
+              <a:rPr lang="en-US"/>
               <a:t>Second level</a:t>
             </a:r>
           </a:p>
           <a:p>
             <a:pPr lvl="2"/>
             <a:r>
-              <a:rPr lang="en-US" smtClean="0"/>
+              <a:rPr lang="en-US"/>
               <a:t>Third level</a:t>
             </a:r>
           </a:p>
           <a:p>
             <a:pPr lvl="3"/>
             <a:r>
-              <a:rPr lang="en-US" smtClean="0"/>
+              <a:rPr lang="en-US"/>
               <a:t>Fourth level</a:t>
             </a:r>
           </a:p>
           <a:p>
             <a:pPr lvl="4"/>
             <a:r>
-              <a:rPr lang="en-US" smtClean="0"/>
+              <a:rPr lang="en-US"/>
               <a:t>Fifth level</a:t>
             </a:r>
             <a:endParaRPr lang="en-US" dirty="0"/>
@@ -2723,7 +2725,7 @@
           <a:lstStyle/>
           <a:p>
             <a:r>
-              <a:rPr lang="en-US" smtClean="0"/>
+              <a:rPr lang="en-US"/>
               <a:t>Click to edit Master title style</a:t>
             </a:r>
             <a:endParaRPr lang="en-US" dirty="0"/>
@@ -2752,35 +2754,35 @@
           <a:p>
             <a:pPr lvl="0"/>
             <a:r>
-              <a:rPr lang="en-US" smtClean="0"/>
+              <a:rPr lang="en-US"/>
               <a:t>Click to edit Master text styles</a:t>
             </a:r>
           </a:p>
           <a:p>
             <a:pPr lvl="1"/>
             <a:r>
-              <a:rPr lang="en-US" smtClean="0"/>
+              <a:rPr lang="en-US"/>
               <a:t>Second level</a:t>
             </a:r>
           </a:p>
           <a:p>
             <a:pPr lvl="2"/>
             <a:r>
-              <a:rPr lang="en-US" smtClean="0"/>
+              <a:rPr lang="en-US"/>
               <a:t>Third level</a:t>
             </a:r>
           </a:p>
           <a:p>
             <a:pPr lvl="3"/>
             <a:r>
-              <a:rPr lang="en-US" smtClean="0"/>
+              <a:rPr lang="en-US"/>
               <a:t>Fourth level</a:t>
             </a:r>
           </a:p>
           <a:p>
             <a:pPr lvl="4"/>
             <a:r>
-              <a:rPr lang="en-US" smtClean="0"/>
+              <a:rPr lang="en-US"/>
               <a:t>Fifth level</a:t>
             </a:r>
             <a:endParaRPr lang="en-US" dirty="0"/>
@@ -2904,7 +2906,7 @@
           </a:lstStyle>
           <a:p>
             <a:r>
-              <a:rPr lang="en-US" smtClean="0"/>
+              <a:rPr lang="en-US"/>
               <a:t>Click to edit Master title style</a:t>
             </a:r>
             <a:endParaRPr lang="en-US" dirty="0"/>
@@ -2928,35 +2930,35 @@
           <a:p>
             <a:pPr lvl="0"/>
             <a:r>
-              <a:rPr lang="en-US" smtClean="0"/>
+              <a:rPr lang="en-US"/>
               <a:t>Click to edit Master text styles</a:t>
             </a:r>
           </a:p>
           <a:p>
             <a:pPr lvl="1"/>
             <a:r>
-              <a:rPr lang="en-US" smtClean="0"/>
+              <a:rPr lang="en-US"/>
               <a:t>Second level</a:t>
             </a:r>
           </a:p>
           <a:p>
             <a:pPr lvl="2"/>
             <a:r>
-              <a:rPr lang="en-US" smtClean="0"/>
+              <a:rPr lang="en-US"/>
               <a:t>Third level</a:t>
             </a:r>
           </a:p>
           <a:p>
             <a:pPr lvl="3"/>
             <a:r>
-              <a:rPr lang="en-US" smtClean="0"/>
+              <a:rPr lang="en-US"/>
               <a:t>Fourth level</a:t>
             </a:r>
           </a:p>
           <a:p>
             <a:pPr lvl="4"/>
             <a:r>
-              <a:rPr lang="en-US" smtClean="0"/>
+              <a:rPr lang="en-US"/>
               <a:t>Fifth level</a:t>
             </a:r>
             <a:endParaRPr lang="en-US" dirty="0"/>
@@ -3083,7 +3085,7 @@
           </a:lstStyle>
           <a:p>
             <a:r>
-              <a:rPr lang="en-US" smtClean="0"/>
+              <a:rPr lang="en-US"/>
               <a:t>Click to edit Master title style</a:t>
             </a:r>
             <a:endParaRPr lang="en-US" dirty="0"/>
@@ -3204,7 +3206,7 @@
           <a:p>
             <a:pPr lvl="0"/>
             <a:r>
-              <a:rPr lang="en-US" smtClean="0"/>
+              <a:rPr lang="en-US"/>
               <a:t>Click to edit Master text styles</a:t>
             </a:r>
           </a:p>
@@ -3321,7 +3323,7 @@
           <a:lstStyle/>
           <a:p>
             <a:r>
-              <a:rPr lang="en-US" smtClean="0"/>
+              <a:rPr lang="en-US"/>
               <a:t>Click to edit Master title style</a:t>
             </a:r>
             <a:endParaRPr lang="en-US" dirty="0"/>
@@ -3350,35 +3352,35 @@
           <a:p>
             <a:pPr lvl="0"/>
             <a:r>
-              <a:rPr lang="en-US" smtClean="0"/>
+              <a:rPr lang="en-US"/>
               <a:t>Click to edit Master text styles</a:t>
             </a:r>
           </a:p>
           <a:p>
             <a:pPr lvl="1"/>
             <a:r>
-              <a:rPr lang="en-US" smtClean="0"/>
+              <a:rPr lang="en-US"/>
               <a:t>Second level</a:t>
             </a:r>
           </a:p>
           <a:p>
             <a:pPr lvl="2"/>
             <a:r>
-              <a:rPr lang="en-US" smtClean="0"/>
+              <a:rPr lang="en-US"/>
               <a:t>Third level</a:t>
             </a:r>
           </a:p>
           <a:p>
             <a:pPr lvl="3"/>
             <a:r>
-              <a:rPr lang="en-US" smtClean="0"/>
+              <a:rPr lang="en-US"/>
               <a:t>Fourth level</a:t>
             </a:r>
           </a:p>
           <a:p>
             <a:pPr lvl="4"/>
             <a:r>
-              <a:rPr lang="en-US" smtClean="0"/>
+              <a:rPr lang="en-US"/>
               <a:t>Fifth level</a:t>
             </a:r>
             <a:endParaRPr lang="en-US" dirty="0"/>
@@ -3407,35 +3409,35 @@
           <a:p>
             <a:pPr lvl="0"/>
             <a:r>
-              <a:rPr lang="en-US" smtClean="0"/>
+              <a:rPr lang="en-US"/>
               <a:t>Click to edit Master text styles</a:t>
             </a:r>
           </a:p>
           <a:p>
             <a:pPr lvl="1"/>
             <a:r>
-              <a:rPr lang="en-US" smtClean="0"/>
+              <a:rPr lang="en-US"/>
               <a:t>Second level</a:t>
             </a:r>
           </a:p>
           <a:p>
             <a:pPr lvl="2"/>
             <a:r>
-              <a:rPr lang="en-US" smtClean="0"/>
+              <a:rPr lang="en-US"/>
               <a:t>Third level</a:t>
             </a:r>
           </a:p>
           <a:p>
             <a:pPr lvl="3"/>
             <a:r>
-              <a:rPr lang="en-US" smtClean="0"/>
+              <a:rPr lang="en-US"/>
               <a:t>Fourth level</a:t>
             </a:r>
           </a:p>
           <a:p>
             <a:pPr lvl="4"/>
             <a:r>
-              <a:rPr lang="en-US" smtClean="0"/>
+              <a:rPr lang="en-US"/>
               <a:t>Fifth level</a:t>
             </a:r>
             <a:endParaRPr lang="en-US" dirty="0"/>
@@ -3557,7 +3559,7 @@
           </a:lstStyle>
           <a:p>
             <a:r>
-              <a:rPr lang="en-US" smtClean="0"/>
+              <a:rPr lang="en-US"/>
               <a:t>Click to edit Master title style</a:t>
             </a:r>
             <a:endParaRPr lang="en-US" dirty="0"/>
@@ -3625,7 +3627,7 @@
           <a:p>
             <a:pPr lvl="0"/>
             <a:r>
-              <a:rPr lang="en-US" smtClean="0"/>
+              <a:rPr lang="en-US"/>
               <a:t>Click to edit Master text styles</a:t>
             </a:r>
           </a:p>
@@ -3655,35 +3657,35 @@
           <a:p>
             <a:pPr lvl="0"/>
             <a:r>
-              <a:rPr lang="en-US" smtClean="0"/>
+              <a:rPr lang="en-US"/>
               <a:t>Click to edit Master text styles</a:t>
             </a:r>
           </a:p>
           <a:p>
             <a:pPr lvl="1"/>
             <a:r>
-              <a:rPr lang="en-US" smtClean="0"/>
+              <a:rPr lang="en-US"/>
               <a:t>Second level</a:t>
             </a:r>
           </a:p>
           <a:p>
             <a:pPr lvl="2"/>
             <a:r>
-              <a:rPr lang="en-US" smtClean="0"/>
+              <a:rPr lang="en-US"/>
               <a:t>Third level</a:t>
             </a:r>
           </a:p>
           <a:p>
             <a:pPr lvl="3"/>
             <a:r>
-              <a:rPr lang="en-US" smtClean="0"/>
+              <a:rPr lang="en-US"/>
               <a:t>Fourth level</a:t>
             </a:r>
           </a:p>
           <a:p>
             <a:pPr lvl="4"/>
             <a:r>
-              <a:rPr lang="en-US" smtClean="0"/>
+              <a:rPr lang="en-US"/>
               <a:t>Fifth level</a:t>
             </a:r>
             <a:endParaRPr lang="en-US" dirty="0"/>
@@ -3751,7 +3753,7 @@
           <a:p>
             <a:pPr lvl="0"/>
             <a:r>
-              <a:rPr lang="en-US" smtClean="0"/>
+              <a:rPr lang="en-US"/>
               <a:t>Click to edit Master text styles</a:t>
             </a:r>
           </a:p>
@@ -3781,35 +3783,35 @@
           <a:p>
             <a:pPr lvl="0"/>
             <a:r>
-              <a:rPr lang="en-US" smtClean="0"/>
+              <a:rPr lang="en-US"/>
               <a:t>Click to edit Master text styles</a:t>
             </a:r>
           </a:p>
           <a:p>
             <a:pPr lvl="1"/>
             <a:r>
-              <a:rPr lang="en-US" smtClean="0"/>
+              <a:rPr lang="en-US"/>
               <a:t>Second level</a:t>
             </a:r>
           </a:p>
           <a:p>
             <a:pPr lvl="2"/>
             <a:r>
-              <a:rPr lang="en-US" smtClean="0"/>
+              <a:rPr lang="en-US"/>
               <a:t>Third level</a:t>
             </a:r>
           </a:p>
           <a:p>
             <a:pPr lvl="3"/>
             <a:r>
-              <a:rPr lang="en-US" smtClean="0"/>
+              <a:rPr lang="en-US"/>
               <a:t>Fourth level</a:t>
             </a:r>
           </a:p>
           <a:p>
             <a:pPr lvl="4"/>
             <a:r>
-              <a:rPr lang="en-US" smtClean="0"/>
+              <a:rPr lang="en-US"/>
               <a:t>Fifth level</a:t>
             </a:r>
             <a:endParaRPr lang="en-US" dirty="0"/>
@@ -3932,7 +3934,7 @@
           <a:lstStyle/>
           <a:p>
             <a:r>
-              <a:rPr lang="en-US" smtClean="0"/>
+              <a:rPr lang="en-US"/>
               <a:t>Click to edit Master title style</a:t>
             </a:r>
             <a:endParaRPr lang="en-US" dirty="0"/>
@@ -4156,7 +4158,7 @@
           </a:lstStyle>
           <a:p>
             <a:r>
-              <a:rPr lang="en-US" smtClean="0"/>
+              <a:rPr lang="en-US"/>
               <a:t>Click to edit Master title style</a:t>
             </a:r>
             <a:endParaRPr lang="en-US" dirty="0"/>
@@ -4187,35 +4189,35 @@
           <a:p>
             <a:pPr lvl="0"/>
             <a:r>
-              <a:rPr lang="en-US" smtClean="0"/>
+              <a:rPr lang="en-US"/>
               <a:t>Click to edit Master text styles</a:t>
             </a:r>
           </a:p>
           <a:p>
             <a:pPr lvl="1"/>
             <a:r>
-              <a:rPr lang="en-US" smtClean="0"/>
+              <a:rPr lang="en-US"/>
               <a:t>Second level</a:t>
             </a:r>
           </a:p>
           <a:p>
             <a:pPr lvl="2"/>
             <a:r>
-              <a:rPr lang="en-US" smtClean="0"/>
+              <a:rPr lang="en-US"/>
               <a:t>Third level</a:t>
             </a:r>
           </a:p>
           <a:p>
             <a:pPr lvl="3"/>
             <a:r>
-              <a:rPr lang="en-US" smtClean="0"/>
+              <a:rPr lang="en-US"/>
               <a:t>Fourth level</a:t>
             </a:r>
           </a:p>
           <a:p>
             <a:pPr lvl="4"/>
             <a:r>
-              <a:rPr lang="en-US" smtClean="0"/>
+              <a:rPr lang="en-US"/>
               <a:t>Fifth level</a:t>
             </a:r>
             <a:endParaRPr lang="en-US" dirty="0"/>
@@ -4283,7 +4285,7 @@
           <a:p>
             <a:pPr lvl="0"/>
             <a:r>
-              <a:rPr lang="en-US" smtClean="0"/>
+              <a:rPr lang="en-US"/>
               <a:t>Click to edit Master text styles</a:t>
             </a:r>
           </a:p>
@@ -4411,7 +4413,7 @@
           </a:lstStyle>
           <a:p>
             <a:r>
-              <a:rPr lang="en-US" smtClean="0"/>
+              <a:rPr lang="en-US"/>
               <a:t>Click to edit Master title style</a:t>
             </a:r>
             <a:endParaRPr lang="en-US" dirty="0"/>
@@ -4478,7 +4480,7 @@
           </a:lstStyle>
           <a:p>
             <a:r>
-              <a:rPr lang="en-US" smtClean="0"/>
+              <a:rPr lang="en-US"/>
               <a:t>Click icon to add picture</a:t>
             </a:r>
             <a:endParaRPr lang="en-US" dirty="0"/>
@@ -4546,7 +4548,7 @@
           <a:p>
             <a:pPr lvl="0"/>
             <a:r>
-              <a:rPr lang="en-US" smtClean="0"/>
+              <a:rPr lang="en-US"/>
               <a:t>Click to edit Master text styles</a:t>
             </a:r>
           </a:p>
@@ -5208,7 +5210,7 @@
           <a:lstStyle/>
           <a:p>
             <a:r>
-              <a:rPr lang="en-US" smtClean="0"/>
+              <a:rPr lang="en-US"/>
               <a:t>Click to edit Master title style</a:t>
             </a:r>
             <a:endParaRPr lang="en-US" dirty="0"/>
@@ -5242,35 +5244,35 @@
           <a:p>
             <a:pPr lvl="0"/>
             <a:r>
-              <a:rPr lang="en-US" smtClean="0"/>
+              <a:rPr lang="en-US"/>
               <a:t>Click to edit Master text styles</a:t>
             </a:r>
           </a:p>
           <a:p>
             <a:pPr lvl="1"/>
             <a:r>
-              <a:rPr lang="en-US" smtClean="0"/>
+              <a:rPr lang="en-US"/>
               <a:t>Second level</a:t>
             </a:r>
           </a:p>
           <a:p>
             <a:pPr lvl="2"/>
             <a:r>
-              <a:rPr lang="en-US" smtClean="0"/>
+              <a:rPr lang="en-US"/>
               <a:t>Third level</a:t>
             </a:r>
           </a:p>
           <a:p>
             <a:pPr lvl="3"/>
             <a:r>
-              <a:rPr lang="en-US" smtClean="0"/>
+              <a:rPr lang="en-US"/>
               <a:t>Fourth level</a:t>
             </a:r>
           </a:p>
           <a:p>
             <a:pPr lvl="4"/>
             <a:r>
-              <a:rPr lang="en-US" smtClean="0"/>
+              <a:rPr lang="en-US"/>
               <a:t>Fifth level</a:t>
             </a:r>
             <a:endParaRPr lang="en-US" dirty="0"/>
@@ -5852,7 +5854,7 @@
           <a:lstStyle/>
           <a:p>
             <a:r>
-              <a:rPr lang="en-US" dirty="0" smtClean="0"/>
+              <a:rPr lang="en-US" dirty="0"/>
               <a:t>Project Management System</a:t>
             </a:r>
             <a:endParaRPr lang="bg-BG" dirty="0"/>
@@ -5884,13 +5886,8 @@
             <a:pPr algn="r"/>
             <a:r>
               <a:rPr lang="bg-BG" dirty="0"/>
-              <a:t>Петър Татерски, </a:t>
-            </a:r>
-            <a:r>
-              <a:rPr lang="bg-BG" dirty="0" smtClean="0"/>
-              <a:t>61845</a:t>
-            </a:r>
-            <a:endParaRPr lang="bg-BG" dirty="0"/>
+              <a:t>Петър Татерски, 61845</a:t>
+            </a:r>
           </a:p>
         </p:txBody>
       </p:sp>
@@ -5904,21 +5901,83 @@
   <p:clrMapOvr>
     <a:masterClrMapping/>
   </p:clrMapOvr>
-  <mc:AlternateContent xmlns:mc="http://schemas.openxmlformats.org/markup-compatibility/2006">
-    <mc:Choice xmlns:p14="http://schemas.microsoft.com/office/powerpoint/2010/main" Requires="p14">
-      <p:transition p14:dur="0"/>
-    </mc:Choice>
-    <mc:Fallback>
-      <p:transition/>
-    </mc:Fallback>
-  </mc:AlternateContent>
-  <p:timing>
-    <p:tnLst>
-      <p:par>
-        <p:cTn id="1" dur="indefinite" restart="never" nodeType="tmRoot"/>
-      </p:par>
-    </p:tnLst>
-  </p:timing>
+</p:sld>
+</file>
+
+<file path=ppt/slides/slide10.xml><?xml version="1.0" encoding="utf-8"?>
+<p:sld xmlns:a="http://schemas.openxmlformats.org/drawingml/2006/main" xmlns:r="http://schemas.openxmlformats.org/officeDocument/2006/relationships" xmlns:p="http://schemas.openxmlformats.org/presentationml/2006/main">
+  <p:cSld>
+    <p:spTree>
+      <p:nvGrpSpPr>
+        <p:cNvPr id="1" name=""/>
+        <p:cNvGrpSpPr/>
+        <p:nvPr/>
+      </p:nvGrpSpPr>
+      <p:grpSpPr>
+        <a:xfrm>
+          <a:off x="0" y="0"/>
+          <a:ext cx="0" cy="0"/>
+          <a:chOff x="0" y="0"/>
+          <a:chExt cx="0" cy="0"/>
+        </a:xfrm>
+      </p:grpSpPr>
+      <p:sp>
+        <p:nvSpPr>
+          <p:cNvPr id="2" name="Title 1"/>
+          <p:cNvSpPr>
+            <a:spLocks noGrp="1"/>
+          </p:cNvSpPr>
+          <p:nvPr>
+            <p:ph type="title"/>
+          </p:nvPr>
+        </p:nvSpPr>
+        <p:spPr/>
+        <p:txBody>
+          <a:bodyPr/>
+          <a:lstStyle/>
+          <a:p>
+            <a:r>
+              <a:rPr lang="bg-BG" dirty="0"/>
+              <a:t>Заключение</a:t>
+            </a:r>
+          </a:p>
+        </p:txBody>
+      </p:sp>
+      <p:sp>
+        <p:nvSpPr>
+          <p:cNvPr id="3" name="Content Placeholder 2"/>
+          <p:cNvSpPr>
+            <a:spLocks noGrp="1"/>
+          </p:cNvSpPr>
+          <p:nvPr>
+            <p:ph idx="1"/>
+          </p:nvPr>
+        </p:nvSpPr>
+        <p:spPr/>
+        <p:txBody>
+          <a:bodyPr/>
+          <a:lstStyle/>
+          <a:p>
+            <a:pPr marL="0" indent="0">
+              <a:buNone/>
+            </a:pPr>
+            <a:r>
+              <a:rPr lang="bg-BG" dirty="0"/>
+              <a:t>В бъдеще очакваме проекта да бъде довършен и може да бъде използван за малки проекти.</a:t>
+            </a:r>
+          </a:p>
+        </p:txBody>
+      </p:sp>
+    </p:spTree>
+    <p:extLst>
+      <p:ext uri="{BB962C8B-B14F-4D97-AF65-F5344CB8AC3E}">
+        <p14:creationId xmlns:p14="http://schemas.microsoft.com/office/powerpoint/2010/main" val="2066518176"/>
+      </p:ext>
+    </p:extLst>
+  </p:cSld>
+  <p:clrMapOvr>
+    <a:masterClrMapping/>
+  </p:clrMapOvr>
 </p:sld>
 </file>
 
@@ -5941,6 +6000,770 @@
       </p:grpSpPr>
       <p:sp>
         <p:nvSpPr>
+          <p:cNvPr id="2" name="Заглавие 1">
+            <a:extLst>
+              <a:ext uri="{FF2B5EF4-FFF2-40B4-BE49-F238E27FC236}">
+                <a16:creationId xmlns:a16="http://schemas.microsoft.com/office/drawing/2014/main" id="{AF34F235-663F-4E9A-B216-BA3E90E2C865}"/>
+              </a:ext>
+            </a:extLst>
+          </p:cNvPr>
+          <p:cNvSpPr>
+            <a:spLocks noGrp="1"/>
+          </p:cNvSpPr>
+          <p:nvPr>
+            <p:ph type="title"/>
+          </p:nvPr>
+        </p:nvSpPr>
+        <p:spPr/>
+        <p:txBody>
+          <a:bodyPr/>
+          <a:lstStyle/>
+          <a:p>
+            <a:r>
+              <a:rPr lang="bg-BG" dirty="0"/>
+              <a:t>Функционални изисквания</a:t>
+            </a:r>
+            <a:endParaRPr lang="en-US" dirty="0"/>
+          </a:p>
+        </p:txBody>
+      </p:sp>
+      <p:sp>
+        <p:nvSpPr>
+          <p:cNvPr id="3" name="Контейнер за съдържание 2">
+            <a:extLst>
+              <a:ext uri="{FF2B5EF4-FFF2-40B4-BE49-F238E27FC236}">
+                <a16:creationId xmlns:a16="http://schemas.microsoft.com/office/drawing/2014/main" id="{ACFBE189-3BF9-4192-B10B-F0DED814A360}"/>
+              </a:ext>
+            </a:extLst>
+          </p:cNvPr>
+          <p:cNvSpPr>
+            <a:spLocks noGrp="1"/>
+          </p:cNvSpPr>
+          <p:nvPr>
+            <p:ph idx="1"/>
+          </p:nvPr>
+        </p:nvSpPr>
+        <p:spPr/>
+        <p:txBody>
+          <a:bodyPr>
+            <a:normAutofit fontScale="85000" lnSpcReduction="20000"/>
+          </a:bodyPr>
+          <a:lstStyle/>
+          <a:p>
+            <a:pPr lvl="1"/>
+            <a:r>
+              <a:rPr lang="bg-BG" dirty="0" err="1"/>
+              <a:t>Create</a:t>
+            </a:r>
+            <a:r>
+              <a:rPr lang="bg-BG" dirty="0"/>
+              <a:t> </a:t>
+            </a:r>
+            <a:r>
+              <a:rPr lang="bg-BG" dirty="0" err="1"/>
+              <a:t>project</a:t>
+            </a:r>
+            <a:r>
+              <a:rPr lang="en-US" dirty="0"/>
+              <a:t> - </a:t>
+            </a:r>
+            <a:r>
+              <a:rPr lang="bg-BG" dirty="0" err="1"/>
+              <a:t>Registered</a:t>
+            </a:r>
+            <a:r>
+              <a:rPr lang="bg-BG" dirty="0"/>
+              <a:t> </a:t>
+            </a:r>
+            <a:r>
+              <a:rPr lang="bg-BG" dirty="0" err="1"/>
+              <a:t>user</a:t>
+            </a:r>
+            <a:r>
+              <a:rPr lang="bg-BG" dirty="0"/>
+              <a:t> </a:t>
+            </a:r>
+            <a:r>
+              <a:rPr lang="bg-BG" dirty="0" err="1"/>
+              <a:t>will</a:t>
+            </a:r>
+            <a:r>
+              <a:rPr lang="bg-BG" dirty="0"/>
+              <a:t> </a:t>
+            </a:r>
+            <a:r>
+              <a:rPr lang="bg-BG" dirty="0" err="1"/>
+              <a:t>be</a:t>
+            </a:r>
+            <a:r>
+              <a:rPr lang="bg-BG" dirty="0"/>
+              <a:t> </a:t>
+            </a:r>
+            <a:r>
+              <a:rPr lang="bg-BG" dirty="0" err="1"/>
+              <a:t>able</a:t>
+            </a:r>
+            <a:r>
+              <a:rPr lang="bg-BG" dirty="0"/>
+              <a:t> </a:t>
+            </a:r>
+            <a:r>
+              <a:rPr lang="bg-BG" dirty="0" err="1"/>
+              <a:t>to</a:t>
+            </a:r>
+            <a:r>
+              <a:rPr lang="bg-BG" dirty="0"/>
+              <a:t> </a:t>
+            </a:r>
+            <a:r>
+              <a:rPr lang="bg-BG" dirty="0" err="1"/>
+              <a:t>create</a:t>
+            </a:r>
+            <a:r>
+              <a:rPr lang="bg-BG" dirty="0"/>
+              <a:t> </a:t>
+            </a:r>
+            <a:r>
+              <a:rPr lang="bg-BG" dirty="0" err="1"/>
+              <a:t>project</a:t>
+            </a:r>
+            <a:r>
+              <a:rPr lang="bg-BG" dirty="0"/>
+              <a:t> </a:t>
+            </a:r>
+            <a:r>
+              <a:rPr lang="bg-BG" dirty="0" err="1"/>
+              <a:t>to</a:t>
+            </a:r>
+            <a:r>
+              <a:rPr lang="bg-BG" dirty="0"/>
+              <a:t> </a:t>
+            </a:r>
+            <a:r>
+              <a:rPr lang="bg-BG" dirty="0" err="1"/>
+              <a:t>which</a:t>
+            </a:r>
+            <a:r>
+              <a:rPr lang="bg-BG" dirty="0"/>
+              <a:t> </a:t>
+            </a:r>
+            <a:r>
+              <a:rPr lang="bg-BG" dirty="0" err="1"/>
+              <a:t>he</a:t>
+            </a:r>
+            <a:r>
+              <a:rPr lang="bg-BG" dirty="0"/>
+              <a:t> </a:t>
+            </a:r>
+            <a:r>
+              <a:rPr lang="bg-BG" dirty="0" err="1"/>
+              <a:t>can</a:t>
+            </a:r>
+            <a:r>
+              <a:rPr lang="bg-BG" dirty="0"/>
+              <a:t> </a:t>
+            </a:r>
+            <a:r>
+              <a:rPr lang="bg-BG" dirty="0" err="1"/>
+              <a:t>add</a:t>
+            </a:r>
+            <a:r>
+              <a:rPr lang="bg-BG" dirty="0"/>
+              <a:t> </a:t>
+            </a:r>
+            <a:r>
+              <a:rPr lang="bg-BG" dirty="0" err="1"/>
+              <a:t>tasks</a:t>
+            </a:r>
+            <a:r>
+              <a:rPr lang="bg-BG" dirty="0"/>
+              <a:t> </a:t>
+            </a:r>
+            <a:r>
+              <a:rPr lang="bg-BG" dirty="0" err="1"/>
+              <a:t>and</a:t>
+            </a:r>
+            <a:r>
+              <a:rPr lang="bg-BG" dirty="0"/>
+              <a:t> </a:t>
+            </a:r>
+            <a:r>
+              <a:rPr lang="bg-BG" dirty="0" err="1"/>
+              <a:t>team</a:t>
+            </a:r>
+            <a:r>
+              <a:rPr lang="bg-BG" dirty="0"/>
+              <a:t> </a:t>
+            </a:r>
+            <a:r>
+              <a:rPr lang="bg-BG" dirty="0" err="1"/>
+              <a:t>members</a:t>
+            </a:r>
+            <a:r>
+              <a:rPr lang="bg-BG" dirty="0"/>
+              <a:t>.</a:t>
+            </a:r>
+            <a:endParaRPr lang="en-US" dirty="0"/>
+          </a:p>
+          <a:p>
+            <a:pPr lvl="1"/>
+            <a:r>
+              <a:rPr lang="bg-BG" dirty="0" err="1"/>
+              <a:t>Manage</a:t>
+            </a:r>
+            <a:r>
+              <a:rPr lang="bg-BG" dirty="0"/>
+              <a:t> </a:t>
+            </a:r>
+            <a:r>
+              <a:rPr lang="bg-BG" dirty="0" err="1"/>
+              <a:t>project</a:t>
+            </a:r>
+            <a:r>
+              <a:rPr lang="bg-BG" dirty="0"/>
+              <a:t> </a:t>
+            </a:r>
+            <a:r>
+              <a:rPr lang="bg-BG" dirty="0" err="1"/>
+              <a:t>info</a:t>
+            </a:r>
+            <a:r>
+              <a:rPr lang="en-US" dirty="0"/>
+              <a:t> - </a:t>
+            </a:r>
+            <a:r>
+              <a:rPr lang="bg-BG" dirty="0" err="1"/>
+              <a:t>Edit</a:t>
+            </a:r>
+            <a:r>
+              <a:rPr lang="bg-BG" dirty="0"/>
+              <a:t> </a:t>
+            </a:r>
+            <a:r>
+              <a:rPr lang="bg-BG" dirty="0" err="1"/>
+              <a:t>project</a:t>
+            </a:r>
+            <a:r>
+              <a:rPr lang="bg-BG" dirty="0"/>
+              <a:t> </a:t>
+            </a:r>
+            <a:r>
+              <a:rPr lang="bg-BG" dirty="0" err="1"/>
+              <a:t>information</a:t>
+            </a:r>
+            <a:endParaRPr lang="en-US" dirty="0"/>
+          </a:p>
+          <a:p>
+            <a:pPr lvl="1"/>
+            <a:r>
+              <a:rPr lang="bg-BG" dirty="0" err="1"/>
+              <a:t>Browse</a:t>
+            </a:r>
+            <a:r>
+              <a:rPr lang="bg-BG" dirty="0"/>
+              <a:t> </a:t>
+            </a:r>
+            <a:r>
+              <a:rPr lang="bg-BG" dirty="0" err="1"/>
+              <a:t>project</a:t>
+            </a:r>
+            <a:r>
+              <a:rPr lang="en-US" dirty="0"/>
+              <a:t> - </a:t>
+            </a:r>
+            <a:r>
+              <a:rPr lang="bg-BG" dirty="0" err="1"/>
+              <a:t>List</a:t>
+            </a:r>
+            <a:r>
+              <a:rPr lang="bg-BG" dirty="0"/>
+              <a:t> </a:t>
+            </a:r>
+            <a:r>
+              <a:rPr lang="bg-BG" dirty="0" err="1"/>
+              <a:t>own</a:t>
+            </a:r>
+            <a:r>
+              <a:rPr lang="bg-BG" dirty="0"/>
+              <a:t> </a:t>
+            </a:r>
+            <a:r>
+              <a:rPr lang="bg-BG" dirty="0" err="1"/>
+              <a:t>projects</a:t>
+            </a:r>
+            <a:r>
+              <a:rPr lang="bg-BG" dirty="0"/>
+              <a:t> </a:t>
+            </a:r>
+            <a:r>
+              <a:rPr lang="bg-BG" dirty="0" err="1"/>
+              <a:t>and</a:t>
+            </a:r>
+            <a:r>
+              <a:rPr lang="bg-BG" dirty="0"/>
+              <a:t> </a:t>
+            </a:r>
+            <a:r>
+              <a:rPr lang="bg-BG" dirty="0" err="1"/>
+              <a:t>projects</a:t>
+            </a:r>
+            <a:r>
+              <a:rPr lang="bg-BG" dirty="0"/>
+              <a:t> </a:t>
+            </a:r>
+            <a:r>
+              <a:rPr lang="bg-BG" dirty="0" err="1"/>
+              <a:t>in</a:t>
+            </a:r>
+            <a:r>
+              <a:rPr lang="bg-BG" dirty="0"/>
+              <a:t> </a:t>
+            </a:r>
+            <a:r>
+              <a:rPr lang="bg-BG" dirty="0" err="1"/>
+              <a:t>which</a:t>
+            </a:r>
+            <a:r>
+              <a:rPr lang="bg-BG" dirty="0"/>
+              <a:t> </a:t>
+            </a:r>
+            <a:r>
+              <a:rPr lang="bg-BG" dirty="0" err="1"/>
+              <a:t>the</a:t>
+            </a:r>
+            <a:r>
+              <a:rPr lang="bg-BG" dirty="0"/>
+              <a:t> </a:t>
+            </a:r>
+            <a:r>
+              <a:rPr lang="bg-BG" dirty="0" err="1"/>
+              <a:t>user</a:t>
+            </a:r>
+            <a:r>
+              <a:rPr lang="bg-BG" dirty="0"/>
+              <a:t> </a:t>
+            </a:r>
+            <a:r>
+              <a:rPr lang="bg-BG" dirty="0" err="1"/>
+              <a:t>is</a:t>
+            </a:r>
+            <a:r>
+              <a:rPr lang="bg-BG" dirty="0"/>
+              <a:t> </a:t>
+            </a:r>
+            <a:r>
+              <a:rPr lang="bg-BG" dirty="0" err="1"/>
+              <a:t>member</a:t>
+            </a:r>
+            <a:endParaRPr lang="en-US" dirty="0"/>
+          </a:p>
+          <a:p>
+            <a:pPr lvl="1"/>
+            <a:r>
+              <a:rPr lang="bg-BG" dirty="0" err="1"/>
+              <a:t>Create</a:t>
+            </a:r>
+            <a:r>
+              <a:rPr lang="bg-BG" dirty="0"/>
+              <a:t> </a:t>
+            </a:r>
+            <a:r>
+              <a:rPr lang="bg-BG" dirty="0" err="1"/>
+              <a:t>task</a:t>
+            </a:r>
+            <a:r>
+              <a:rPr lang="en-US" dirty="0"/>
+              <a:t> - Create user task with detailed information about the task - time frame, description, task name, checklist, tags etc.</a:t>
+            </a:r>
+          </a:p>
+          <a:p>
+            <a:pPr lvl="1"/>
+            <a:r>
+              <a:rPr lang="bg-BG" dirty="0" err="1"/>
+              <a:t>Create</a:t>
+            </a:r>
+            <a:r>
+              <a:rPr lang="bg-BG" dirty="0"/>
+              <a:t> </a:t>
+            </a:r>
+            <a:r>
+              <a:rPr lang="bg-BG" dirty="0" err="1"/>
+              <a:t>subtask</a:t>
+            </a:r>
+            <a:r>
+              <a:rPr lang="en-US" dirty="0"/>
+              <a:t> - Create subtask to a task</a:t>
+            </a:r>
+          </a:p>
+          <a:p>
+            <a:pPr lvl="1"/>
+            <a:r>
+              <a:rPr lang="bg-BG" dirty="0" err="1"/>
+              <a:t>Edit</a:t>
+            </a:r>
+            <a:r>
+              <a:rPr lang="bg-BG" dirty="0"/>
+              <a:t> </a:t>
+            </a:r>
+            <a:r>
+              <a:rPr lang="bg-BG" dirty="0" err="1"/>
+              <a:t>task</a:t>
+            </a:r>
+            <a:r>
+              <a:rPr lang="bg-BG" dirty="0"/>
+              <a:t> </a:t>
+            </a:r>
+            <a:r>
+              <a:rPr lang="bg-BG" dirty="0" err="1"/>
+              <a:t>info</a:t>
+            </a:r>
+            <a:r>
+              <a:rPr lang="en-US" dirty="0"/>
+              <a:t> - Edit already created task information</a:t>
+            </a:r>
+          </a:p>
+          <a:p>
+            <a:pPr lvl="1"/>
+            <a:r>
+              <a:rPr lang="bg-BG" dirty="0" err="1"/>
+              <a:t>Browse</a:t>
+            </a:r>
+            <a:r>
+              <a:rPr lang="bg-BG" dirty="0"/>
+              <a:t> </a:t>
+            </a:r>
+            <a:r>
+              <a:rPr lang="bg-BG" dirty="0" err="1"/>
+              <a:t>tasks</a:t>
+            </a:r>
+            <a:r>
+              <a:rPr lang="bg-BG" dirty="0"/>
+              <a:t> </a:t>
+            </a:r>
+            <a:r>
+              <a:rPr lang="bg-BG" dirty="0" err="1"/>
+              <a:t>for</a:t>
+            </a:r>
+            <a:r>
+              <a:rPr lang="bg-BG" dirty="0"/>
+              <a:t> </a:t>
+            </a:r>
+            <a:r>
+              <a:rPr lang="bg-BG" dirty="0" err="1"/>
+              <a:t>project</a:t>
+            </a:r>
+            <a:r>
+              <a:rPr lang="en-US" dirty="0"/>
+              <a:t> - See all tasks that are related to project</a:t>
+            </a:r>
+          </a:p>
+          <a:p>
+            <a:pPr lvl="1"/>
+            <a:r>
+              <a:rPr lang="bg-BG" dirty="0" err="1"/>
+              <a:t>Browse</a:t>
+            </a:r>
+            <a:r>
+              <a:rPr lang="bg-BG" dirty="0"/>
+              <a:t> </a:t>
+            </a:r>
+            <a:r>
+              <a:rPr lang="bg-BG" dirty="0" err="1"/>
+              <a:t>members</a:t>
+            </a:r>
+            <a:r>
+              <a:rPr lang="bg-BG" dirty="0"/>
+              <a:t> </a:t>
+            </a:r>
+            <a:r>
+              <a:rPr lang="bg-BG" dirty="0" err="1"/>
+              <a:t>for</a:t>
+            </a:r>
+            <a:r>
+              <a:rPr lang="bg-BG" dirty="0"/>
+              <a:t> </a:t>
+            </a:r>
+            <a:r>
+              <a:rPr lang="bg-BG" dirty="0" err="1"/>
+              <a:t>project</a:t>
+            </a:r>
+            <a:r>
+              <a:rPr lang="en-US" dirty="0"/>
+              <a:t> - View all members of a project.</a:t>
+            </a:r>
+          </a:p>
+          <a:p>
+            <a:pPr lvl="1"/>
+            <a:r>
+              <a:rPr lang="bg-BG" dirty="0" err="1"/>
+              <a:t>Add</a:t>
+            </a:r>
+            <a:r>
+              <a:rPr lang="bg-BG" dirty="0"/>
+              <a:t>/</a:t>
+            </a:r>
+            <a:r>
+              <a:rPr lang="bg-BG" dirty="0" err="1"/>
+              <a:t>remove</a:t>
+            </a:r>
+            <a:r>
+              <a:rPr lang="bg-BG" dirty="0"/>
+              <a:t> </a:t>
+            </a:r>
+            <a:r>
+              <a:rPr lang="bg-BG" dirty="0" err="1"/>
+              <a:t>member</a:t>
+            </a:r>
+            <a:r>
+              <a:rPr lang="en-US" dirty="0"/>
+              <a:t> - Add or remove existing user as a member to the project.</a:t>
+            </a:r>
+          </a:p>
+          <a:p>
+            <a:pPr lvl="1"/>
+            <a:r>
+              <a:rPr lang="bg-BG" dirty="0" err="1"/>
+              <a:t>Register</a:t>
+            </a:r>
+            <a:r>
+              <a:rPr lang="en-US" dirty="0"/>
+              <a:t> - Anonymous User  can register in the system by providing a valid e-mail address, first and last name, and choosing password. By default, all new registered users have Regular role.</a:t>
+            </a:r>
+            <a:br>
+              <a:rPr lang="en-US" dirty="0"/>
+            </a:br>
+            <a:r>
+              <a:rPr lang="en-US" dirty="0"/>
+              <a:t>Administrator can register new user by entering User Data and choosing a Role (Regular or Administrator).</a:t>
+            </a:r>
+          </a:p>
+          <a:p>
+            <a:endParaRPr lang="en-US" dirty="0"/>
+          </a:p>
+        </p:txBody>
+      </p:sp>
+    </p:spTree>
+    <p:extLst>
+      <p:ext uri="{BB962C8B-B14F-4D97-AF65-F5344CB8AC3E}">
+        <p14:creationId xmlns:p14="http://schemas.microsoft.com/office/powerpoint/2010/main" val="2374362019"/>
+      </p:ext>
+    </p:extLst>
+  </p:cSld>
+  <p:clrMapOvr>
+    <a:masterClrMapping/>
+  </p:clrMapOvr>
+</p:sld>
+</file>
+
+<file path=ppt/slides/slide3.xml><?xml version="1.0" encoding="utf-8"?>
+<p:sld xmlns:a="http://schemas.openxmlformats.org/drawingml/2006/main" xmlns:r="http://schemas.openxmlformats.org/officeDocument/2006/relationships" xmlns:p="http://schemas.openxmlformats.org/presentationml/2006/main">
+  <p:cSld>
+    <p:spTree>
+      <p:nvGrpSpPr>
+        <p:cNvPr id="1" name=""/>
+        <p:cNvGrpSpPr/>
+        <p:nvPr/>
+      </p:nvGrpSpPr>
+      <p:grpSpPr>
+        <a:xfrm>
+          <a:off x="0" y="0"/>
+          <a:ext cx="0" cy="0"/>
+          <a:chOff x="0" y="0"/>
+          <a:chExt cx="0" cy="0"/>
+        </a:xfrm>
+      </p:grpSpPr>
+      <p:sp>
+        <p:nvSpPr>
+          <p:cNvPr id="2" name="Заглавие 1">
+            <a:extLst>
+              <a:ext uri="{FF2B5EF4-FFF2-40B4-BE49-F238E27FC236}">
+                <a16:creationId xmlns:a16="http://schemas.microsoft.com/office/drawing/2014/main" id="{A346B852-B66C-4688-BF93-FC930D69CB1E}"/>
+              </a:ext>
+            </a:extLst>
+          </p:cNvPr>
+          <p:cNvSpPr>
+            <a:spLocks noGrp="1"/>
+          </p:cNvSpPr>
+          <p:nvPr>
+            <p:ph type="title"/>
+          </p:nvPr>
+        </p:nvSpPr>
+        <p:spPr/>
+        <p:txBody>
+          <a:bodyPr/>
+          <a:lstStyle/>
+          <a:p>
+            <a:r>
+              <a:rPr lang="bg-BG" dirty="0"/>
+              <a:t>Функционални изисквания</a:t>
+            </a:r>
+            <a:endParaRPr lang="en-US" dirty="0"/>
+          </a:p>
+        </p:txBody>
+      </p:sp>
+      <p:sp>
+        <p:nvSpPr>
+          <p:cNvPr id="3" name="Контейнер за съдържание 2">
+            <a:extLst>
+              <a:ext uri="{FF2B5EF4-FFF2-40B4-BE49-F238E27FC236}">
+                <a16:creationId xmlns:a16="http://schemas.microsoft.com/office/drawing/2014/main" id="{A37F2380-2801-49BD-B0A9-D1780AFEDB5E}"/>
+              </a:ext>
+            </a:extLst>
+          </p:cNvPr>
+          <p:cNvSpPr>
+            <a:spLocks noGrp="1"/>
+          </p:cNvSpPr>
+          <p:nvPr>
+            <p:ph idx="1"/>
+          </p:nvPr>
+        </p:nvSpPr>
+        <p:spPr/>
+        <p:txBody>
+          <a:bodyPr>
+            <a:normAutofit fontScale="92500" lnSpcReduction="20000"/>
+          </a:bodyPr>
+          <a:lstStyle/>
+          <a:p>
+            <a:pPr lvl="1"/>
+            <a:r>
+              <a:rPr lang="en-US" dirty="0"/>
+              <a:t>Change User Data - Registered User can view and edit their personal User Data.</a:t>
+            </a:r>
+            <a:br>
+              <a:rPr lang="en-US" dirty="0"/>
+            </a:br>
+            <a:r>
+              <a:rPr lang="en-US" dirty="0"/>
+              <a:t>Administrator can view and edit User Data of all Users and assign them Roles: Regular or Administrator.</a:t>
+            </a:r>
+          </a:p>
+          <a:p>
+            <a:pPr lvl="1"/>
+            <a:r>
+              <a:rPr lang="en-US" dirty="0"/>
+              <a:t>Manage Users - Administrator can browse users.</a:t>
+            </a:r>
+            <a:br>
+              <a:rPr lang="en-US" dirty="0"/>
+            </a:br>
+            <a:r>
+              <a:rPr lang="en-US" dirty="0"/>
+              <a:t>Administrator can choose a User to manage and can manage the chosen User - edit or delete.</a:t>
+            </a:r>
+            <a:br>
+              <a:rPr lang="en-US" dirty="0"/>
+            </a:br>
+            <a:r>
+              <a:rPr lang="en-US" dirty="0"/>
+              <a:t>Administrator can create a new user.</a:t>
+            </a:r>
+          </a:p>
+          <a:p>
+            <a:pPr lvl="1"/>
+            <a:r>
+              <a:rPr lang="en-US" dirty="0"/>
+              <a:t>Create sprint - Groups tasks in sprint</a:t>
+            </a:r>
+          </a:p>
+          <a:p>
+            <a:pPr lvl="1"/>
+            <a:r>
+              <a:rPr lang="en-US" dirty="0"/>
+              <a:t>Finish sprint - Complete sprint (The sprint must not have pending tasks. All open tasks will go in the backlog - list of all tasks that doesn’t have sprint)</a:t>
+            </a:r>
+          </a:p>
+          <a:p>
+            <a:pPr lvl="1"/>
+            <a:r>
+              <a:rPr lang="bg-BG" dirty="0" err="1"/>
+              <a:t>List</a:t>
+            </a:r>
+            <a:r>
+              <a:rPr lang="bg-BG" dirty="0"/>
+              <a:t> </a:t>
+            </a:r>
+            <a:r>
+              <a:rPr lang="bg-BG" dirty="0" err="1"/>
+              <a:t>all</a:t>
+            </a:r>
+            <a:r>
+              <a:rPr lang="bg-BG" dirty="0"/>
+              <a:t> </a:t>
+            </a:r>
+            <a:r>
+              <a:rPr lang="bg-BG" dirty="0" err="1"/>
+              <a:t>sprints</a:t>
+            </a:r>
+            <a:r>
+              <a:rPr lang="en-US" dirty="0"/>
+              <a:t> - Show all sprints to the user</a:t>
+            </a:r>
+          </a:p>
+          <a:p>
+            <a:pPr lvl="1"/>
+            <a:r>
+              <a:rPr lang="en-US" dirty="0"/>
+              <a:t>Move task to sprint - Move task to sprint, the sprint should be active</a:t>
+            </a:r>
+          </a:p>
+          <a:p>
+            <a:pPr lvl="1"/>
+            <a:r>
+              <a:rPr lang="en-US" dirty="0"/>
+              <a:t>View sprint statistic - View details about the sprint - open/closed/opened tasks, time</a:t>
+            </a:r>
+          </a:p>
+          <a:p>
+            <a:pPr lvl="1"/>
+            <a:r>
+              <a:rPr lang="en-US" dirty="0"/>
+              <a:t>Estimation from the team</a:t>
+            </a:r>
+          </a:p>
+          <a:p>
+            <a:pPr lvl="1"/>
+            <a:r>
+              <a:rPr lang="en-US" dirty="0"/>
+              <a:t>Comments for the estimations</a:t>
+            </a:r>
+          </a:p>
+          <a:p>
+            <a:endParaRPr lang="en-US" dirty="0"/>
+          </a:p>
+        </p:txBody>
+      </p:sp>
+    </p:spTree>
+    <p:extLst>
+      <p:ext uri="{BB962C8B-B14F-4D97-AF65-F5344CB8AC3E}">
+        <p14:creationId xmlns:p14="http://schemas.microsoft.com/office/powerpoint/2010/main" val="927430126"/>
+      </p:ext>
+    </p:extLst>
+  </p:cSld>
+  <p:clrMapOvr>
+    <a:masterClrMapping/>
+  </p:clrMapOvr>
+</p:sld>
+</file>
+
+<file path=ppt/slides/slide4.xml><?xml version="1.0" encoding="utf-8"?>
+<p:sld xmlns:a="http://schemas.openxmlformats.org/drawingml/2006/main" xmlns:r="http://schemas.openxmlformats.org/officeDocument/2006/relationships" xmlns:p="http://schemas.openxmlformats.org/presentationml/2006/main">
+  <p:cSld>
+    <p:spTree>
+      <p:nvGrpSpPr>
+        <p:cNvPr id="1" name=""/>
+        <p:cNvGrpSpPr/>
+        <p:nvPr/>
+      </p:nvGrpSpPr>
+      <p:grpSpPr>
+        <a:xfrm>
+          <a:off x="0" y="0"/>
+          <a:ext cx="0" cy="0"/>
+          <a:chOff x="0" y="0"/>
+          <a:chExt cx="0" cy="0"/>
+        </a:xfrm>
+      </p:grpSpPr>
+      <p:sp>
+        <p:nvSpPr>
           <p:cNvPr id="2" name="Title 1"/>
           <p:cNvSpPr>
             <a:spLocks noGrp="1"/>
@@ -5958,7 +6781,6 @@
               <a:rPr lang="bg-BG" dirty="0"/>
               <a:t>Разглеждане на задачи в активен спринт</a:t>
             </a:r>
-            <a:endParaRPr lang="bg-BG" dirty="0"/>
           </a:p>
         </p:txBody>
       </p:sp>
@@ -5994,25 +6816,10 @@
   <p:clrMapOvr>
     <a:masterClrMapping/>
   </p:clrMapOvr>
-  <mc:AlternateContent xmlns:mc="http://schemas.openxmlformats.org/markup-compatibility/2006">
-    <mc:Choice xmlns:p14="http://schemas.microsoft.com/office/powerpoint/2010/main" Requires="p14">
-      <p:transition p14:dur="0"/>
-    </mc:Choice>
-    <mc:Fallback>
-      <p:transition/>
-    </mc:Fallback>
-  </mc:AlternateContent>
-  <p:timing>
-    <p:tnLst>
-      <p:par>
-        <p:cTn id="1" dur="indefinite" restart="never" nodeType="tmRoot"/>
-      </p:par>
-    </p:tnLst>
-  </p:timing>
 </p:sld>
 </file>
 
-<file path=ppt/slides/slide3.xml><?xml version="1.0" encoding="utf-8"?>
+<file path=ppt/slides/slide5.xml><?xml version="1.0" encoding="utf-8"?>
 <p:sld xmlns:a="http://schemas.openxmlformats.org/drawingml/2006/main" xmlns:r="http://schemas.openxmlformats.org/officeDocument/2006/relationships" xmlns:p="http://schemas.openxmlformats.org/presentationml/2006/main">
   <p:cSld>
     <p:spTree>
@@ -6048,7 +6855,6 @@
               <a:rPr lang="bg-BG" dirty="0"/>
               <a:t>Създаване на задача</a:t>
             </a:r>
-            <a:endParaRPr lang="bg-BG" dirty="0"/>
           </a:p>
         </p:txBody>
       </p:sp>
@@ -6084,17 +6890,10 @@
   <p:clrMapOvr>
     <a:masterClrMapping/>
   </p:clrMapOvr>
-  <p:timing>
-    <p:tnLst>
-      <p:par>
-        <p:cTn id="1" dur="indefinite" restart="never" nodeType="tmRoot"/>
-      </p:par>
-    </p:tnLst>
-  </p:timing>
 </p:sld>
 </file>
 
-<file path=ppt/slides/slide4.xml><?xml version="1.0" encoding="utf-8"?>
+<file path=ppt/slides/slide6.xml><?xml version="1.0" encoding="utf-8"?>
 <p:sld xmlns:a="http://schemas.openxmlformats.org/drawingml/2006/main" xmlns:r="http://schemas.openxmlformats.org/officeDocument/2006/relationships" xmlns:p="http://schemas.openxmlformats.org/presentationml/2006/main">
   <p:cSld>
     <p:spTree>
@@ -6130,7 +6929,6 @@
               <a:rPr lang="bg-BG" dirty="0"/>
               <a:t>Менажиране на участниците в проекта</a:t>
             </a:r>
-            <a:endParaRPr lang="bg-BG" dirty="0"/>
           </a:p>
         </p:txBody>
       </p:sp>
@@ -6166,17 +6964,10 @@
   <p:clrMapOvr>
     <a:masterClrMapping/>
   </p:clrMapOvr>
-  <p:timing>
-    <p:tnLst>
-      <p:par>
-        <p:cTn id="1" dur="indefinite" restart="never" nodeType="tmRoot"/>
-      </p:par>
-    </p:tnLst>
-  </p:timing>
 </p:sld>
 </file>
 
-<file path=ppt/slides/slide5.xml><?xml version="1.0" encoding="utf-8"?>
+<file path=ppt/slides/slide7.xml><?xml version="1.0" encoding="utf-8"?>
 <p:sld xmlns:a="http://schemas.openxmlformats.org/drawingml/2006/main" xmlns:r="http://schemas.openxmlformats.org/officeDocument/2006/relationships" xmlns:p="http://schemas.openxmlformats.org/presentationml/2006/main">
   <p:cSld>
     <p:spTree>
@@ -6212,7 +7003,6 @@
               <a:rPr lang="bg-BG" dirty="0"/>
               <a:t>Регистриране на потребител</a:t>
             </a:r>
-            <a:endParaRPr lang="bg-BG" dirty="0"/>
           </a:p>
         </p:txBody>
       </p:sp>
@@ -6248,17 +7038,10 @@
   <p:clrMapOvr>
     <a:masterClrMapping/>
   </p:clrMapOvr>
-  <p:timing>
-    <p:tnLst>
-      <p:par>
-        <p:cTn id="1" dur="indefinite" restart="never" nodeType="tmRoot"/>
-      </p:par>
-    </p:tnLst>
-  </p:timing>
 </p:sld>
 </file>
 
-<file path=ppt/slides/slide6.xml><?xml version="1.0" encoding="utf-8"?>
+<file path=ppt/slides/slide8.xml><?xml version="1.0" encoding="utf-8"?>
 <p:sld xmlns:a="http://schemas.openxmlformats.org/drawingml/2006/main" xmlns:r="http://schemas.openxmlformats.org/officeDocument/2006/relationships" xmlns:p="http://schemas.openxmlformats.org/presentationml/2006/main">
   <p:cSld>
     <p:spTree>
@@ -6292,13 +7075,8 @@
           <a:p>
             <a:r>
               <a:rPr lang="bg-BG" dirty="0"/>
-              <a:t>Редактиране на потребителски </a:t>
-            </a:r>
-            <a:r>
-              <a:rPr lang="bg-BG" dirty="0" smtClean="0"/>
-              <a:t>акаунти</a:t>
-            </a:r>
-            <a:endParaRPr lang="bg-BG" dirty="0"/>
+              <a:t>Редактиране на потребителски акаунти</a:t>
+            </a:r>
           </a:p>
         </p:txBody>
       </p:sp>
@@ -6334,17 +7112,10 @@
   <p:clrMapOvr>
     <a:masterClrMapping/>
   </p:clrMapOvr>
-  <p:timing>
-    <p:tnLst>
-      <p:par>
-        <p:cTn id="1" dur="indefinite" restart="never" nodeType="tmRoot"/>
-      </p:par>
-    </p:tnLst>
-  </p:timing>
 </p:sld>
 </file>
 
-<file path=ppt/slides/slide7.xml><?xml version="1.0" encoding="utf-8"?>
+<file path=ppt/slides/slide9.xml><?xml version="1.0" encoding="utf-8"?>
 <p:sld xmlns:a="http://schemas.openxmlformats.org/drawingml/2006/main" xmlns:r="http://schemas.openxmlformats.org/officeDocument/2006/relationships" xmlns:p="http://schemas.openxmlformats.org/presentationml/2006/main">
   <p:cSld>
     <p:spTree>
@@ -6377,10 +7148,9 @@
           <a:lstStyle/>
           <a:p>
             <a:r>
-              <a:rPr lang="bg-BG" dirty="0" smtClean="0"/>
+              <a:rPr lang="bg-BG" dirty="0"/>
               <a:t>Архитектура</a:t>
             </a:r>
-            <a:endParaRPr lang="bg-BG" dirty="0"/>
           </a:p>
         </p:txBody>
       </p:sp>
@@ -6400,13 +7170,13 @@
           <a:lstStyle/>
           <a:p>
             <a:r>
-              <a:rPr lang="en-US" dirty="0" smtClean="0"/>
+              <a:rPr lang="en-US" dirty="0"/>
               <a:t>Client-server</a:t>
             </a:r>
           </a:p>
           <a:p>
             <a:r>
-              <a:rPr lang="en-US" dirty="0" smtClean="0"/>
+              <a:rPr lang="en-US" dirty="0"/>
               <a:t>REST API</a:t>
             </a:r>
             <a:endParaRPr lang="bg-BG" dirty="0"/>
@@ -6423,99 +7193,6 @@
   <p:clrMapOvr>
     <a:masterClrMapping/>
   </p:clrMapOvr>
-  <p:timing>
-    <p:tnLst>
-      <p:par>
-        <p:cTn id="1" dur="indefinite" restart="never" nodeType="tmRoot"/>
-      </p:par>
-    </p:tnLst>
-  </p:timing>
-</p:sld>
-</file>
-
-<file path=ppt/slides/slide8.xml><?xml version="1.0" encoding="utf-8"?>
-<p:sld xmlns:a="http://schemas.openxmlformats.org/drawingml/2006/main" xmlns:r="http://schemas.openxmlformats.org/officeDocument/2006/relationships" xmlns:p="http://schemas.openxmlformats.org/presentationml/2006/main">
-  <p:cSld>
-    <p:spTree>
-      <p:nvGrpSpPr>
-        <p:cNvPr id="1" name=""/>
-        <p:cNvGrpSpPr/>
-        <p:nvPr/>
-      </p:nvGrpSpPr>
-      <p:grpSpPr>
-        <a:xfrm>
-          <a:off x="0" y="0"/>
-          <a:ext cx="0" cy="0"/>
-          <a:chOff x="0" y="0"/>
-          <a:chExt cx="0" cy="0"/>
-        </a:xfrm>
-      </p:grpSpPr>
-      <p:sp>
-        <p:nvSpPr>
-          <p:cNvPr id="2" name="Title 1"/>
-          <p:cNvSpPr>
-            <a:spLocks noGrp="1"/>
-          </p:cNvSpPr>
-          <p:nvPr>
-            <p:ph type="title"/>
-          </p:nvPr>
-        </p:nvSpPr>
-        <p:spPr/>
-        <p:txBody>
-          <a:bodyPr/>
-          <a:lstStyle/>
-          <a:p>
-            <a:r>
-              <a:rPr lang="bg-BG" dirty="0" smtClean="0"/>
-              <a:t>Заключение</a:t>
-            </a:r>
-            <a:endParaRPr lang="bg-BG" dirty="0"/>
-          </a:p>
-        </p:txBody>
-      </p:sp>
-      <p:sp>
-        <p:nvSpPr>
-          <p:cNvPr id="3" name="Content Placeholder 2"/>
-          <p:cNvSpPr>
-            <a:spLocks noGrp="1"/>
-          </p:cNvSpPr>
-          <p:nvPr>
-            <p:ph idx="1"/>
-          </p:nvPr>
-        </p:nvSpPr>
-        <p:spPr/>
-        <p:txBody>
-          <a:bodyPr/>
-          <a:lstStyle/>
-          <a:p>
-            <a:pPr marL="0" indent="0">
-              <a:buNone/>
-            </a:pPr>
-            <a:r>
-              <a:rPr lang="bg-BG" dirty="0"/>
-              <a:t>В бъдеще очакваме проекта да бъде довършен и може да бъде използван за малки проекти.</a:t>
-            </a:r>
-            <a:endParaRPr lang="bg-BG" dirty="0"/>
-          </a:p>
-        </p:txBody>
-      </p:sp>
-    </p:spTree>
-    <p:extLst>
-      <p:ext uri="{BB962C8B-B14F-4D97-AF65-F5344CB8AC3E}">
-        <p14:creationId xmlns:p14="http://schemas.microsoft.com/office/powerpoint/2010/main" val="2066518176"/>
-      </p:ext>
-    </p:extLst>
-  </p:cSld>
-  <p:clrMapOvr>
-    <a:masterClrMapping/>
-  </p:clrMapOvr>
-  <p:timing>
-    <p:tnLst>
-      <p:par>
-        <p:cTn id="1" dur="indefinite" restart="never" nodeType="tmRoot"/>
-      </p:par>
-    </p:tnLst>
-  </p:timing>
 </p:sld>
 </file>
 
